--- a/movie_recommender.pptx
+++ b/movie_recommender.pptx
@@ -264,7 +264,7 @@
           <a:p>
             <a:fld id="{159A2670-0965-4332-9A3B-E762AC6DCCD7}" type="datetimeFigureOut">
               <a:rPr lang="en-SG" smtClean="0"/>
-              <a:t>16/11/2019</a:t>
+              <a:t>17/11/2019</a:t>
             </a:fld>
             <a:endParaRPr lang="en-SG"/>
           </a:p>
@@ -464,7 +464,7 @@
           <a:p>
             <a:fld id="{159A2670-0965-4332-9A3B-E762AC6DCCD7}" type="datetimeFigureOut">
               <a:rPr lang="en-SG" smtClean="0"/>
-              <a:t>16/11/2019</a:t>
+              <a:t>17/11/2019</a:t>
             </a:fld>
             <a:endParaRPr lang="en-SG"/>
           </a:p>
@@ -674,7 +674,7 @@
           <a:p>
             <a:fld id="{159A2670-0965-4332-9A3B-E762AC6DCCD7}" type="datetimeFigureOut">
               <a:rPr lang="en-SG" smtClean="0"/>
-              <a:t>16/11/2019</a:t>
+              <a:t>17/11/2019</a:t>
             </a:fld>
             <a:endParaRPr lang="en-SG"/>
           </a:p>
@@ -874,7 +874,7 @@
           <a:p>
             <a:fld id="{159A2670-0965-4332-9A3B-E762AC6DCCD7}" type="datetimeFigureOut">
               <a:rPr lang="en-SG" smtClean="0"/>
-              <a:t>16/11/2019</a:t>
+              <a:t>17/11/2019</a:t>
             </a:fld>
             <a:endParaRPr lang="en-SG"/>
           </a:p>
@@ -1150,7 +1150,7 @@
           <a:p>
             <a:fld id="{159A2670-0965-4332-9A3B-E762AC6DCCD7}" type="datetimeFigureOut">
               <a:rPr lang="en-SG" smtClean="0"/>
-              <a:t>16/11/2019</a:t>
+              <a:t>17/11/2019</a:t>
             </a:fld>
             <a:endParaRPr lang="en-SG"/>
           </a:p>
@@ -1418,7 +1418,7 @@
           <a:p>
             <a:fld id="{159A2670-0965-4332-9A3B-E762AC6DCCD7}" type="datetimeFigureOut">
               <a:rPr lang="en-SG" smtClean="0"/>
-              <a:t>16/11/2019</a:t>
+              <a:t>17/11/2019</a:t>
             </a:fld>
             <a:endParaRPr lang="en-SG"/>
           </a:p>
@@ -1833,7 +1833,7 @@
           <a:p>
             <a:fld id="{159A2670-0965-4332-9A3B-E762AC6DCCD7}" type="datetimeFigureOut">
               <a:rPr lang="en-SG" smtClean="0"/>
-              <a:t>16/11/2019</a:t>
+              <a:t>17/11/2019</a:t>
             </a:fld>
             <a:endParaRPr lang="en-SG"/>
           </a:p>
@@ -1975,7 +1975,7 @@
           <a:p>
             <a:fld id="{159A2670-0965-4332-9A3B-E762AC6DCCD7}" type="datetimeFigureOut">
               <a:rPr lang="en-SG" smtClean="0"/>
-              <a:t>16/11/2019</a:t>
+              <a:t>17/11/2019</a:t>
             </a:fld>
             <a:endParaRPr lang="en-SG"/>
           </a:p>
@@ -2088,7 +2088,7 @@
           <a:p>
             <a:fld id="{159A2670-0965-4332-9A3B-E762AC6DCCD7}" type="datetimeFigureOut">
               <a:rPr lang="en-SG" smtClean="0"/>
-              <a:t>16/11/2019</a:t>
+              <a:t>17/11/2019</a:t>
             </a:fld>
             <a:endParaRPr lang="en-SG"/>
           </a:p>
@@ -2401,7 +2401,7 @@
           <a:p>
             <a:fld id="{159A2670-0965-4332-9A3B-E762AC6DCCD7}" type="datetimeFigureOut">
               <a:rPr lang="en-SG" smtClean="0"/>
-              <a:t>16/11/2019</a:t>
+              <a:t>17/11/2019</a:t>
             </a:fld>
             <a:endParaRPr lang="en-SG"/>
           </a:p>
@@ -2690,7 +2690,7 @@
           <a:p>
             <a:fld id="{159A2670-0965-4332-9A3B-E762AC6DCCD7}" type="datetimeFigureOut">
               <a:rPr lang="en-SG" smtClean="0"/>
-              <a:t>16/11/2019</a:t>
+              <a:t>17/11/2019</a:t>
             </a:fld>
             <a:endParaRPr lang="en-SG"/>
           </a:p>
@@ -2933,7 +2933,7 @@
           <a:p>
             <a:fld id="{159A2670-0965-4332-9A3B-E762AC6DCCD7}" type="datetimeFigureOut">
               <a:rPr lang="en-SG" smtClean="0"/>
-              <a:t>16/11/2019</a:t>
+              <a:t>17/11/2019</a:t>
             </a:fld>
             <a:endParaRPr lang="en-SG"/>
           </a:p>
@@ -4103,6 +4103,51 @@
           </a:p>
         </p:txBody>
       </p:sp>
+      <p:cxnSp>
+        <p:nvCxnSpPr>
+          <p:cNvPr id="8" name="Straight Arrow Connector 7">
+            <a:extLst>
+              <a:ext uri="{FF2B5EF4-FFF2-40B4-BE49-F238E27FC236}">
+                <a16:creationId xmlns:a16="http://schemas.microsoft.com/office/drawing/2014/main" id="{B3671126-A84D-4C42-8FC1-857C6A2C120F}"/>
+              </a:ext>
+            </a:extLst>
+          </p:cNvPr>
+          <p:cNvCxnSpPr>
+            <a:cxnSpLocks/>
+          </p:cNvCxnSpPr>
+          <p:nvPr/>
+        </p:nvCxnSpPr>
+        <p:spPr>
+          <a:xfrm>
+            <a:off x="7181850" y="3167063"/>
+            <a:ext cx="611598" cy="0"/>
+          </a:xfrm>
+          <a:prstGeom prst="straightConnector1">
+            <a:avLst/>
+          </a:prstGeom>
+          <a:ln w="22225">
+            <a:solidFill>
+              <a:srgbClr val="F69439"/>
+            </a:solidFill>
+            <a:miter lim="800000"/>
+            <a:tailEnd type="stealth" w="med" len="lg"/>
+          </a:ln>
+        </p:spPr>
+        <p:style>
+          <a:lnRef idx="1">
+            <a:schemeClr val="accent1"/>
+          </a:lnRef>
+          <a:fillRef idx="0">
+            <a:schemeClr val="accent1"/>
+          </a:fillRef>
+          <a:effectRef idx="0">
+            <a:schemeClr val="accent1"/>
+          </a:effectRef>
+          <a:fontRef idx="minor">
+            <a:schemeClr val="tx1"/>
+          </a:fontRef>
+        </p:style>
+      </p:cxnSp>
     </p:spTree>
     <p:extLst>
       <p:ext uri="{BB962C8B-B14F-4D97-AF65-F5344CB8AC3E}">
@@ -4150,7 +4195,7 @@
         <p:spPr>
           <a:xfrm>
             <a:off x="1929433" y="2674274"/>
-            <a:ext cx="334355" cy="393084"/>
+            <a:ext cx="528541" cy="387629"/>
           </a:xfrm>
           <a:prstGeom prst="straightConnector1">
             <a:avLst/>
@@ -4189,13 +4234,14 @@
           </p:cNvPr>
           <p:cNvCxnSpPr>
             <a:cxnSpLocks/>
+            <a:endCxn id="9" idx="0"/>
           </p:cNvCxnSpPr>
           <p:nvPr/>
         </p:nvCxnSpPr>
         <p:spPr>
-          <a:xfrm flipH="1">
-            <a:off x="4559846" y="2674274"/>
-            <a:ext cx="1" cy="393084"/>
+          <a:xfrm>
+            <a:off x="4436213" y="2674274"/>
+            <a:ext cx="229260" cy="380076"/>
           </a:xfrm>
           <a:prstGeom prst="straightConnector1">
             <a:avLst/>
@@ -4245,7 +4291,7 @@
         </p:blipFill>
         <p:spPr>
           <a:xfrm>
-            <a:off x="1779081" y="3054350"/>
+            <a:off x="2127060" y="3054350"/>
             <a:ext cx="5076825" cy="1619250"/>
           </a:xfrm>
           <a:prstGeom prst="rect">
@@ -4269,9 +4315,9 @@
           <p:nvPr/>
         </p:nvCxnSpPr>
         <p:spPr>
-          <a:xfrm flipH="1">
-            <a:off x="6348228" y="2661959"/>
-            <a:ext cx="171850" cy="392391"/>
+          <a:xfrm>
+            <a:off x="6520078" y="2661959"/>
+            <a:ext cx="73669" cy="392160"/>
           </a:xfrm>
           <a:prstGeom prst="straightConnector1">
             <a:avLst/>
@@ -4344,13 +4390,13 @@
         </p:nvPicPr>
         <p:blipFill rotWithShape="1">
           <a:blip r:embed="rId4"/>
-          <a:srcRect l="-379"/>
+          <a:srcRect l="33391"/>
           <a:stretch/>
         </p:blipFill>
         <p:spPr>
           <a:xfrm>
-            <a:off x="3529634" y="5072264"/>
-            <a:ext cx="5555050" cy="1600200"/>
+            <a:off x="5398508" y="5072264"/>
+            <a:ext cx="3686175" cy="1600200"/>
           </a:xfrm>
           <a:prstGeom prst="rect">
             <a:avLst/>
@@ -4373,8 +4419,8 @@
         </p:nvCxnSpPr>
         <p:spPr>
           <a:xfrm>
-            <a:off x="5739435" y="4662103"/>
-            <a:ext cx="466723" cy="410161"/>
+            <a:off x="5989739" y="4673600"/>
+            <a:ext cx="318782" cy="380076"/>
           </a:xfrm>
           <a:prstGeom prst="straightConnector1">
             <a:avLst/>
@@ -4453,7 +4499,7 @@
         </p:blipFill>
         <p:spPr>
           <a:xfrm>
-            <a:off x="7817918" y="3054350"/>
+            <a:off x="7670281" y="3061903"/>
             <a:ext cx="3390900" cy="1590675"/>
           </a:xfrm>
           <a:prstGeom prst="rect">
@@ -4506,9 +4552,9 @@
           <p:nvPr/>
         </p:nvCxnSpPr>
         <p:spPr>
-          <a:xfrm>
-            <a:off x="9560587" y="2674620"/>
-            <a:ext cx="0" cy="379730"/>
+          <a:xfrm flipH="1">
+            <a:off x="9513369" y="2661959"/>
+            <a:ext cx="150748" cy="399944"/>
           </a:xfrm>
           <a:prstGeom prst="straightConnector1">
             <a:avLst/>
@@ -4618,6 +4664,35 @@
           </a:p>
         </p:txBody>
       </p:sp>
+      <p:pic>
+        <p:nvPicPr>
+          <p:cNvPr id="22" name="Picture 21">
+            <a:extLst>
+              <a:ext uri="{FF2B5EF4-FFF2-40B4-BE49-F238E27FC236}">
+                <a16:creationId xmlns:a16="http://schemas.microsoft.com/office/drawing/2014/main" id="{08BC7F39-3C6A-4178-8D44-747A5F060CE2}"/>
+              </a:ext>
+            </a:extLst>
+          </p:cNvPr>
+          <p:cNvPicPr>
+            <a:picLocks noChangeAspect="1"/>
+          </p:cNvPicPr>
+          <p:nvPr/>
+        </p:nvPicPr>
+        <p:blipFill rotWithShape="1">
+          <a:blip r:embed="rId4"/>
+          <a:srcRect l="-379" r="66991"/>
+          <a:stretch/>
+        </p:blipFill>
+        <p:spPr>
+          <a:xfrm>
+            <a:off x="3119064" y="5072264"/>
+            <a:ext cx="1847709" cy="1600200"/>
+          </a:xfrm>
+          <a:prstGeom prst="rect">
+            <a:avLst/>
+          </a:prstGeom>
+        </p:spPr>
+      </p:pic>
     </p:spTree>
     <p:extLst>
       <p:ext uri="{BB962C8B-B14F-4D97-AF65-F5344CB8AC3E}">
